--- a/smpdt/sMpDt_4.pptx
+++ b/smpdt/sMpDt_4.pptx
@@ -5,7 +5,7 @@
     <p:sldMasterId id="2147483648" r:id="rId1"/>
   </p:sldMasterIdLst>
   <p:notesMasterIdLst>
-    <p:notesMasterId r:id="rId7"/>
+    <p:notesMasterId r:id="rId16"/>
   </p:notesMasterIdLst>
   <p:sldIdLst>
     <p:sldId id="256" r:id="rId2"/>
@@ -13,6 +13,15 @@
     <p:sldId id="258" r:id="rId4"/>
     <p:sldId id="259" r:id="rId5"/>
     <p:sldId id="260" r:id="rId6"/>
+    <p:sldId id="261" r:id="rId7"/>
+    <p:sldId id="262" r:id="rId8"/>
+    <p:sldId id="263" r:id="rId9"/>
+    <p:sldId id="264" r:id="rId10"/>
+    <p:sldId id="265" r:id="rId11"/>
+    <p:sldId id="266" r:id="rId12"/>
+    <p:sldId id="267" r:id="rId13"/>
+    <p:sldId id="268" r:id="rId14"/>
+    <p:sldId id="269" r:id="rId15"/>
   </p:sldIdLst>
   <p:sldSz cx="12192000" cy="6858000"/>
   <p:notesSz cx="6858000" cy="9144000"/>
@@ -201,7 +210,7 @@
           <a:p>
             <a:fld id="{37AE38F5-05DB-4C56-A915-9A42544E2E38}" type="datetimeFigureOut">
               <a:rPr lang="en-US" smtClean="0"/>
-              <a:t>9/15/2025</a:t>
+              <a:t>9/18/2025</a:t>
             </a:fld>
             <a:endParaRPr lang="en-US"/>
           </a:p>
@@ -615,7 +624,7 @@
           <a:p>
             <a:fld id="{2AFE2404-9D99-4F79-974A-48F45DCF5039}" type="datetime1">
               <a:rPr lang="en-US" smtClean="0"/>
-              <a:t>9/15/2025</a:t>
+              <a:t>9/18/2025</a:t>
             </a:fld>
             <a:endParaRPr lang="en-US"/>
           </a:p>
@@ -816,7 +825,7 @@
           <a:p>
             <a:fld id="{02FFD2D4-7A68-4ADC-8A04-58B14283095C}" type="datetime1">
               <a:rPr lang="en-US" smtClean="0"/>
-              <a:t>9/15/2025</a:t>
+              <a:t>9/18/2025</a:t>
             </a:fld>
             <a:endParaRPr lang="en-US"/>
           </a:p>
@@ -1027,7 +1036,7 @@
           <a:p>
             <a:fld id="{64116C88-1648-475D-9831-787E4CB1A720}" type="datetime1">
               <a:rPr lang="en-US" smtClean="0"/>
-              <a:t>9/15/2025</a:t>
+              <a:t>9/18/2025</a:t>
             </a:fld>
             <a:endParaRPr lang="en-US"/>
           </a:p>
@@ -1228,7 +1237,7 @@
           <a:p>
             <a:fld id="{1EF95B23-D6C2-466F-8FCF-C25BD89E89F6}" type="datetime1">
               <a:rPr lang="en-US" smtClean="0"/>
-              <a:t>9/15/2025</a:t>
+              <a:t>9/18/2025</a:t>
             </a:fld>
             <a:endParaRPr lang="en-US"/>
           </a:p>
@@ -1506,7 +1515,7 @@
           <a:p>
             <a:fld id="{38DF7777-76F7-4ED4-8FE0-2E2002739876}" type="datetime1">
               <a:rPr lang="en-US" smtClean="0"/>
-              <a:t>9/15/2025</a:t>
+              <a:t>9/18/2025</a:t>
             </a:fld>
             <a:endParaRPr lang="en-US"/>
           </a:p>
@@ -1814,7 +1823,7 @@
           <a:p>
             <a:fld id="{EDE7F949-B0AC-48BC-8C03-8F59F183BB34}" type="datetime1">
               <a:rPr lang="en-US" smtClean="0"/>
-              <a:t>9/15/2025</a:t>
+              <a:t>9/18/2025</a:t>
             </a:fld>
             <a:endParaRPr lang="en-US"/>
           </a:p>
@@ -2229,7 +2238,7 @@
           <a:p>
             <a:fld id="{B926916E-C1C5-4F0C-A692-149918225A0A}" type="datetime1">
               <a:rPr lang="en-US" smtClean="0"/>
-              <a:t>9/15/2025</a:t>
+              <a:t>9/18/2025</a:t>
             </a:fld>
             <a:endParaRPr lang="en-US"/>
           </a:p>
@@ -2373,7 +2382,7 @@
           <a:p>
             <a:fld id="{A72ACE30-6141-466F-AB0B-35C642BCDAC5}" type="datetime1">
               <a:rPr lang="en-US" smtClean="0"/>
-              <a:t>9/15/2025</a:t>
+              <a:t>9/18/2025</a:t>
             </a:fld>
             <a:endParaRPr lang="en-US"/>
           </a:p>
@@ -2489,7 +2498,7 @@
           <a:p>
             <a:fld id="{9D764A0A-6138-48E3-B885-B8E7378E844C}" type="datetime1">
               <a:rPr lang="en-US" smtClean="0"/>
-              <a:t>9/15/2025</a:t>
+              <a:t>9/18/2025</a:t>
             </a:fld>
             <a:endParaRPr lang="en-US"/>
           </a:p>
@@ -2803,7 +2812,7 @@
           <a:p>
             <a:fld id="{882F9652-8D1B-4F7D-B16E-5C6A1E9FE203}" type="datetime1">
               <a:rPr lang="en-US" smtClean="0"/>
-              <a:t>9/15/2025</a:t>
+              <a:t>9/18/2025</a:t>
             </a:fld>
             <a:endParaRPr lang="en-US"/>
           </a:p>
@@ -3094,7 +3103,7 @@
           <a:p>
             <a:fld id="{8F1C30DF-E428-4E2F-8F78-585A3248A22E}" type="datetime1">
               <a:rPr lang="en-US" smtClean="0"/>
-              <a:t>9/15/2025</a:t>
+              <a:t>9/18/2025</a:t>
             </a:fld>
             <a:endParaRPr lang="en-US"/>
           </a:p>
@@ -3338,7 +3347,7 @@
           <a:p>
             <a:fld id="{F7C8600C-C567-4B33-BD33-97A84AED4BA8}" type="datetime1">
               <a:rPr lang="en-US" smtClean="0"/>
-              <a:t>9/15/2025</a:t>
+              <a:t>9/18/2025</a:t>
             </a:fld>
             <a:endParaRPr lang="en-US"/>
           </a:p>
@@ -3990,6 +3999,843 @@
 </p:sld>
 </file>
 
+<file path=ppt/slides/slide10.xml><?xml version="1.0" encoding="utf-8"?>
+<p:sld xmlns:a="http://schemas.openxmlformats.org/drawingml/2006/main" xmlns:r="http://schemas.openxmlformats.org/officeDocument/2006/relationships" xmlns:p="http://schemas.openxmlformats.org/presentationml/2006/main">
+  <p:cSld>
+    <p:spTree>
+      <p:nvGrpSpPr>
+        <p:cNvPr id="1" name="">
+          <a:extLst>
+            <a:ext uri="{FF2B5EF4-FFF2-40B4-BE49-F238E27FC236}">
+              <a16:creationId xmlns:a16="http://schemas.microsoft.com/office/drawing/2014/main" id="{66E51888-2CFB-9986-A927-984A3DCD5AB1}"/>
+            </a:ext>
+          </a:extLst>
+        </p:cNvPr>
+        <p:cNvGrpSpPr/>
+        <p:nvPr/>
+      </p:nvGrpSpPr>
+      <p:grpSpPr>
+        <a:xfrm>
+          <a:off x="0" y="0"/>
+          <a:ext cx="0" cy="0"/>
+          <a:chOff x="0" y="0"/>
+          <a:chExt cx="0" cy="0"/>
+        </a:xfrm>
+      </p:grpSpPr>
+      <p:sp>
+        <p:nvSpPr>
+          <p:cNvPr id="2" name="Title 1">
+            <a:extLst>
+              <a:ext uri="{FF2B5EF4-FFF2-40B4-BE49-F238E27FC236}">
+                <a16:creationId xmlns:a16="http://schemas.microsoft.com/office/drawing/2014/main" id="{FA79B90C-CD63-46C9-66C9-4C1688401C59}"/>
+              </a:ext>
+            </a:extLst>
+          </p:cNvPr>
+          <p:cNvSpPr>
+            <a:spLocks noGrp="1"/>
+          </p:cNvSpPr>
+          <p:nvPr>
+            <p:ph type="title"/>
+          </p:nvPr>
+        </p:nvSpPr>
+        <p:spPr/>
+        <p:txBody>
+          <a:bodyPr/>
+          <a:lstStyle/>
+          <a:p>
+            <a:endParaRPr lang="en-US" dirty="0"/>
+          </a:p>
+        </p:txBody>
+      </p:sp>
+      <p:sp>
+        <p:nvSpPr>
+          <p:cNvPr id="4" name="Footer Placeholder 3">
+            <a:extLst>
+              <a:ext uri="{FF2B5EF4-FFF2-40B4-BE49-F238E27FC236}">
+                <a16:creationId xmlns:a16="http://schemas.microsoft.com/office/drawing/2014/main" id="{978F064C-D68E-AFA0-827B-EEE9066E6B3F}"/>
+              </a:ext>
+            </a:extLst>
+          </p:cNvPr>
+          <p:cNvSpPr>
+            <a:spLocks noGrp="1"/>
+          </p:cNvSpPr>
+          <p:nvPr>
+            <p:ph type="ftr" sz="quarter" idx="11"/>
+          </p:nvPr>
+        </p:nvSpPr>
+        <p:spPr/>
+        <p:txBody>
+          <a:bodyPr/>
+          <a:lstStyle/>
+          <a:p>
+            <a:r>
+              <a:rPr lang="en-US"/>
+              <a:t>Lecturer: I.Husainov, Biznes Boshqaruvi kafedrasi.</a:t>
+            </a:r>
+          </a:p>
+        </p:txBody>
+      </p:sp>
+      <p:sp>
+        <p:nvSpPr>
+          <p:cNvPr id="5" name="Content Placeholder 4">
+            <a:extLst>
+              <a:ext uri="{FF2B5EF4-FFF2-40B4-BE49-F238E27FC236}">
+                <a16:creationId xmlns:a16="http://schemas.microsoft.com/office/drawing/2014/main" id="{2AA52FAF-6E2D-BF7E-D01C-531269CAF88D}"/>
+              </a:ext>
+            </a:extLst>
+          </p:cNvPr>
+          <p:cNvSpPr>
+            <a:spLocks noGrp="1"/>
+          </p:cNvSpPr>
+          <p:nvPr>
+            <p:ph idx="1"/>
+          </p:nvPr>
+        </p:nvSpPr>
+        <p:spPr>
+          <a:xfrm>
+            <a:off x="818536" y="1825625"/>
+            <a:ext cx="10515600" cy="4351338"/>
+          </a:xfrm>
+        </p:spPr>
+        <p:txBody>
+          <a:bodyPr/>
+          <a:lstStyle/>
+          <a:p>
+            <a:pPr marL="0" indent="0">
+              <a:buNone/>
+            </a:pPr>
+            <a:r>
+              <a:rPr lang="en-US" dirty="0"/>
+              <a:t>- </a:t>
+            </a:r>
+            <a:r>
+              <a:rPr lang="en-US" dirty="0" err="1"/>
+              <a:t>Componentni</a:t>
+            </a:r>
+            <a:r>
+              <a:rPr lang="en-US" dirty="0"/>
+              <a:t> </a:t>
+            </a:r>
+            <a:r>
+              <a:rPr lang="en-US" dirty="0" err="1"/>
+              <a:t>bir</a:t>
+            </a:r>
+            <a:r>
+              <a:rPr lang="en-US" dirty="0"/>
+              <a:t> </a:t>
+            </a:r>
+            <a:r>
+              <a:rPr lang="en-US" dirty="0" err="1"/>
+              <a:t>marta</a:t>
+            </a:r>
+            <a:r>
+              <a:rPr lang="en-US" dirty="0"/>
+              <a:t> </a:t>
+            </a:r>
+            <a:r>
+              <a:rPr lang="en-US" dirty="0" err="1"/>
+              <a:t>yaratib</a:t>
+            </a:r>
+            <a:r>
+              <a:rPr lang="en-US" dirty="0"/>
+              <a:t> kop </a:t>
+            </a:r>
+            <a:r>
+              <a:rPr lang="en-US" dirty="0" err="1"/>
+              <a:t>marta</a:t>
+            </a:r>
+            <a:r>
+              <a:rPr lang="en-US" dirty="0"/>
+              <a:t> </a:t>
+            </a:r>
+            <a:r>
+              <a:rPr lang="en-US" dirty="0" err="1"/>
+              <a:t>chaqirsa</a:t>
+            </a:r>
+            <a:r>
+              <a:rPr lang="en-US" dirty="0"/>
+              <a:t> </a:t>
+            </a:r>
+            <a:r>
+              <a:rPr lang="en-US" dirty="0" err="1"/>
+              <a:t>boladi</a:t>
+            </a:r>
+            <a:r>
+              <a:rPr lang="en-US" dirty="0"/>
+              <a:t>.</a:t>
+            </a:r>
+          </a:p>
+        </p:txBody>
+      </p:sp>
+    </p:spTree>
+    <p:extLst>
+      <p:ext uri="{BB962C8B-B14F-4D97-AF65-F5344CB8AC3E}">
+        <p14:creationId xmlns:p14="http://schemas.microsoft.com/office/powerpoint/2010/main" val="4216409881"/>
+      </p:ext>
+    </p:extLst>
+  </p:cSld>
+  <p:clrMapOvr>
+    <a:masterClrMapping/>
+  </p:clrMapOvr>
+</p:sld>
+</file>
+
+<file path=ppt/slides/slide11.xml><?xml version="1.0" encoding="utf-8"?>
+<p:sld xmlns:a="http://schemas.openxmlformats.org/drawingml/2006/main" xmlns:r="http://schemas.openxmlformats.org/officeDocument/2006/relationships" xmlns:p="http://schemas.openxmlformats.org/presentationml/2006/main">
+  <p:cSld>
+    <p:spTree>
+      <p:nvGrpSpPr>
+        <p:cNvPr id="1" name=""/>
+        <p:cNvGrpSpPr/>
+        <p:nvPr/>
+      </p:nvGrpSpPr>
+      <p:grpSpPr>
+        <a:xfrm>
+          <a:off x="0" y="0"/>
+          <a:ext cx="0" cy="0"/>
+          <a:chOff x="0" y="0"/>
+          <a:chExt cx="0" cy="0"/>
+        </a:xfrm>
+      </p:grpSpPr>
+      <p:sp>
+        <p:nvSpPr>
+          <p:cNvPr id="2" name="Title 1">
+            <a:extLst>
+              <a:ext uri="{FF2B5EF4-FFF2-40B4-BE49-F238E27FC236}">
+                <a16:creationId xmlns:a16="http://schemas.microsoft.com/office/drawing/2014/main" id="{16F8E2DA-C721-4399-2920-F6EBB7EEFCEE}"/>
+              </a:ext>
+            </a:extLst>
+          </p:cNvPr>
+          <p:cNvSpPr>
+            <a:spLocks noGrp="1"/>
+          </p:cNvSpPr>
+          <p:nvPr>
+            <p:ph type="title"/>
+          </p:nvPr>
+        </p:nvSpPr>
+        <p:spPr/>
+        <p:txBody>
+          <a:bodyPr/>
+          <a:lstStyle/>
+          <a:p>
+            <a:endParaRPr lang="en-US"/>
+          </a:p>
+        </p:txBody>
+      </p:sp>
+      <p:sp>
+        <p:nvSpPr>
+          <p:cNvPr id="3" name="Content Placeholder 2">
+            <a:extLst>
+              <a:ext uri="{FF2B5EF4-FFF2-40B4-BE49-F238E27FC236}">
+                <a16:creationId xmlns:a16="http://schemas.microsoft.com/office/drawing/2014/main" id="{5028DF9C-801F-FF25-F54B-32C828774B12}"/>
+              </a:ext>
+            </a:extLst>
+          </p:cNvPr>
+          <p:cNvSpPr>
+            <a:spLocks noGrp="1"/>
+          </p:cNvSpPr>
+          <p:nvPr>
+            <p:ph idx="1"/>
+          </p:nvPr>
+        </p:nvSpPr>
+        <p:spPr/>
+        <p:txBody>
+          <a:bodyPr/>
+          <a:lstStyle/>
+          <a:p>
+            <a:pPr marL="0" indent="0">
+              <a:buNone/>
+            </a:pPr>
+            <a:r>
+              <a:rPr lang="en-US" dirty="0"/>
+              <a:t>- Props (properties) </a:t>
+            </a:r>
+            <a:r>
+              <a:rPr lang="en-US" dirty="0" err="1"/>
+              <a:t>orqali</a:t>
+            </a:r>
+            <a:r>
+              <a:rPr lang="en-US" dirty="0"/>
+              <a:t> React component </a:t>
+            </a:r>
+            <a:r>
+              <a:rPr lang="en-US" dirty="0" err="1"/>
+              <a:t>larga</a:t>
+            </a:r>
+            <a:r>
+              <a:rPr lang="en-US" dirty="0"/>
+              <a:t> </a:t>
+            </a:r>
+            <a:r>
+              <a:rPr lang="en-US" dirty="0" err="1"/>
+              <a:t>ma’lumot</a:t>
+            </a:r>
+            <a:r>
+              <a:rPr lang="en-US" dirty="0"/>
+              <a:t> </a:t>
+            </a:r>
+            <a:r>
+              <a:rPr lang="en-US" dirty="0" err="1"/>
+              <a:t>ulashsa</a:t>
+            </a:r>
+            <a:r>
+              <a:rPr lang="en-US" dirty="0"/>
+              <a:t> </a:t>
+            </a:r>
+            <a:r>
+              <a:rPr lang="en-US" dirty="0" err="1"/>
+              <a:t>bo’ladi</a:t>
+            </a:r>
+            <a:r>
+              <a:rPr lang="en-US" dirty="0"/>
+              <a:t>.</a:t>
+            </a:r>
+          </a:p>
+        </p:txBody>
+      </p:sp>
+      <p:sp>
+        <p:nvSpPr>
+          <p:cNvPr id="4" name="Footer Placeholder 3">
+            <a:extLst>
+              <a:ext uri="{FF2B5EF4-FFF2-40B4-BE49-F238E27FC236}">
+                <a16:creationId xmlns:a16="http://schemas.microsoft.com/office/drawing/2014/main" id="{7068F866-FDFD-98B4-BE32-59B0211698FC}"/>
+              </a:ext>
+            </a:extLst>
+          </p:cNvPr>
+          <p:cNvSpPr>
+            <a:spLocks noGrp="1"/>
+          </p:cNvSpPr>
+          <p:nvPr>
+            <p:ph type="ftr" sz="quarter" idx="11"/>
+          </p:nvPr>
+        </p:nvSpPr>
+        <p:spPr/>
+        <p:txBody>
+          <a:bodyPr/>
+          <a:lstStyle/>
+          <a:p>
+            <a:r>
+              <a:rPr lang="en-US"/>
+              <a:t>Lecturer: I.Husainov, Biznes Boshqaruvi kafedrasi.</a:t>
+            </a:r>
+          </a:p>
+        </p:txBody>
+      </p:sp>
+    </p:spTree>
+    <p:extLst>
+      <p:ext uri="{BB962C8B-B14F-4D97-AF65-F5344CB8AC3E}">
+        <p14:creationId xmlns:p14="http://schemas.microsoft.com/office/powerpoint/2010/main" val="1462878118"/>
+      </p:ext>
+    </p:extLst>
+  </p:cSld>
+  <p:clrMapOvr>
+    <a:masterClrMapping/>
+  </p:clrMapOvr>
+</p:sld>
+</file>
+
+<file path=ppt/slides/slide12.xml><?xml version="1.0" encoding="utf-8"?>
+<p:sld xmlns:a="http://schemas.openxmlformats.org/drawingml/2006/main" xmlns:r="http://schemas.openxmlformats.org/officeDocument/2006/relationships" xmlns:p="http://schemas.openxmlformats.org/presentationml/2006/main">
+  <p:cSld>
+    <p:spTree>
+      <p:nvGrpSpPr>
+        <p:cNvPr id="1" name="">
+          <a:extLst>
+            <a:ext uri="{FF2B5EF4-FFF2-40B4-BE49-F238E27FC236}">
+              <a16:creationId xmlns:a16="http://schemas.microsoft.com/office/drawing/2014/main" id="{4EF9286B-C9F9-C618-95C3-86920C3DD4F9}"/>
+            </a:ext>
+          </a:extLst>
+        </p:cNvPr>
+        <p:cNvGrpSpPr/>
+        <p:nvPr/>
+      </p:nvGrpSpPr>
+      <p:grpSpPr>
+        <a:xfrm>
+          <a:off x="0" y="0"/>
+          <a:ext cx="0" cy="0"/>
+          <a:chOff x="0" y="0"/>
+          <a:chExt cx="0" cy="0"/>
+        </a:xfrm>
+      </p:grpSpPr>
+      <p:sp>
+        <p:nvSpPr>
+          <p:cNvPr id="2" name="Title 1">
+            <a:extLst>
+              <a:ext uri="{FF2B5EF4-FFF2-40B4-BE49-F238E27FC236}">
+                <a16:creationId xmlns:a16="http://schemas.microsoft.com/office/drawing/2014/main" id="{D82A09DD-1EAD-7712-1788-EF74C8DB79E4}"/>
+              </a:ext>
+            </a:extLst>
+          </p:cNvPr>
+          <p:cNvSpPr>
+            <a:spLocks noGrp="1"/>
+          </p:cNvSpPr>
+          <p:nvPr>
+            <p:ph type="title"/>
+          </p:nvPr>
+        </p:nvSpPr>
+        <p:spPr/>
+        <p:txBody>
+          <a:bodyPr/>
+          <a:lstStyle/>
+          <a:p>
+            <a:endParaRPr lang="en-US"/>
+          </a:p>
+        </p:txBody>
+      </p:sp>
+      <p:sp>
+        <p:nvSpPr>
+          <p:cNvPr id="3" name="Content Placeholder 2">
+            <a:extLst>
+              <a:ext uri="{FF2B5EF4-FFF2-40B4-BE49-F238E27FC236}">
+                <a16:creationId xmlns:a16="http://schemas.microsoft.com/office/drawing/2014/main" id="{061703CD-4541-D331-9A59-A3F78FA43A0E}"/>
+              </a:ext>
+            </a:extLst>
+          </p:cNvPr>
+          <p:cNvSpPr>
+            <a:spLocks noGrp="1"/>
+          </p:cNvSpPr>
+          <p:nvPr>
+            <p:ph idx="1"/>
+          </p:nvPr>
+        </p:nvSpPr>
+        <p:spPr/>
+        <p:txBody>
+          <a:bodyPr/>
+          <a:lstStyle/>
+          <a:p>
+            <a:pPr marL="0" indent="0">
+              <a:buNone/>
+            </a:pPr>
+            <a:r>
+              <a:rPr lang="en-US" dirty="0"/>
+              <a:t>- State, </a:t>
+            </a:r>
+            <a:r>
+              <a:rPr lang="uz-Latn-UZ" dirty="0"/>
+              <a:t>component</a:t>
+            </a:r>
+            <a:r>
+              <a:rPr lang="en-US" dirty="0"/>
+              <a:t> d</a:t>
+            </a:r>
+            <a:r>
+              <a:rPr lang="uz-Latn-UZ" dirty="0"/>
+              <a:t>a vaqt o'tishi bilan o'zgarishi mumkin bo'lgan ma'lumotlarni ifodalaydi. </a:t>
+            </a:r>
+            <a:r>
+              <a:rPr lang="en-US" dirty="0"/>
+              <a:t>state</a:t>
+            </a:r>
+            <a:r>
+              <a:rPr lang="uz-Latn-UZ" dirty="0"/>
+              <a:t> o'zgarganda, </a:t>
+            </a:r>
+            <a:r>
+              <a:rPr lang="en-US" dirty="0"/>
+              <a:t>c</a:t>
+            </a:r>
+            <a:r>
+              <a:rPr lang="uz-Latn-UZ" dirty="0"/>
+              <a:t>omponent yangi ma'lumotlarni aks ettirish uchun qayta ko'rsatiladi.</a:t>
+            </a:r>
+          </a:p>
+          <a:p>
+            <a:pPr marL="0" indent="0">
+              <a:buNone/>
+            </a:pPr>
+            <a:endParaRPr lang="en-US" dirty="0"/>
+          </a:p>
+        </p:txBody>
+      </p:sp>
+      <p:sp>
+        <p:nvSpPr>
+          <p:cNvPr id="4" name="Footer Placeholder 3">
+            <a:extLst>
+              <a:ext uri="{FF2B5EF4-FFF2-40B4-BE49-F238E27FC236}">
+                <a16:creationId xmlns:a16="http://schemas.microsoft.com/office/drawing/2014/main" id="{FBDD68C7-DFDD-6D6E-0A02-B56205173CD3}"/>
+              </a:ext>
+            </a:extLst>
+          </p:cNvPr>
+          <p:cNvSpPr>
+            <a:spLocks noGrp="1"/>
+          </p:cNvSpPr>
+          <p:nvPr>
+            <p:ph type="ftr" sz="quarter" idx="11"/>
+          </p:nvPr>
+        </p:nvSpPr>
+        <p:spPr/>
+        <p:txBody>
+          <a:bodyPr/>
+          <a:lstStyle/>
+          <a:p>
+            <a:r>
+              <a:rPr lang="en-US"/>
+              <a:t>Lecturer: I.Husainov, Biznes Boshqaruvi kafedrasi.</a:t>
+            </a:r>
+          </a:p>
+        </p:txBody>
+      </p:sp>
+    </p:spTree>
+    <p:extLst>
+      <p:ext uri="{BB962C8B-B14F-4D97-AF65-F5344CB8AC3E}">
+        <p14:creationId xmlns:p14="http://schemas.microsoft.com/office/powerpoint/2010/main" val="424130911"/>
+      </p:ext>
+    </p:extLst>
+  </p:cSld>
+  <p:clrMapOvr>
+    <a:masterClrMapping/>
+  </p:clrMapOvr>
+</p:sld>
+</file>
+
+<file path=ppt/slides/slide13.xml><?xml version="1.0" encoding="utf-8"?>
+<p:sld xmlns:a="http://schemas.openxmlformats.org/drawingml/2006/main" xmlns:r="http://schemas.openxmlformats.org/officeDocument/2006/relationships" xmlns:p="http://schemas.openxmlformats.org/presentationml/2006/main">
+  <p:cSld>
+    <p:spTree>
+      <p:nvGrpSpPr>
+        <p:cNvPr id="1" name="">
+          <a:extLst>
+            <a:ext uri="{FF2B5EF4-FFF2-40B4-BE49-F238E27FC236}">
+              <a16:creationId xmlns:a16="http://schemas.microsoft.com/office/drawing/2014/main" id="{9ADA65AD-0E4F-4E22-0E91-1CFE00AED93B}"/>
+            </a:ext>
+          </a:extLst>
+        </p:cNvPr>
+        <p:cNvGrpSpPr/>
+        <p:nvPr/>
+      </p:nvGrpSpPr>
+      <p:grpSpPr>
+        <a:xfrm>
+          <a:off x="0" y="0"/>
+          <a:ext cx="0" cy="0"/>
+          <a:chOff x="0" y="0"/>
+          <a:chExt cx="0" cy="0"/>
+        </a:xfrm>
+      </p:grpSpPr>
+      <p:sp>
+        <p:nvSpPr>
+          <p:cNvPr id="2" name="Title 1">
+            <a:extLst>
+              <a:ext uri="{FF2B5EF4-FFF2-40B4-BE49-F238E27FC236}">
+                <a16:creationId xmlns:a16="http://schemas.microsoft.com/office/drawing/2014/main" id="{B85AD20A-0251-FDF4-13ED-1C2F87AE01D2}"/>
+              </a:ext>
+            </a:extLst>
+          </p:cNvPr>
+          <p:cNvSpPr>
+            <a:spLocks noGrp="1"/>
+          </p:cNvSpPr>
+          <p:nvPr>
+            <p:ph type="title"/>
+          </p:nvPr>
+        </p:nvSpPr>
+        <p:spPr/>
+        <p:txBody>
+          <a:bodyPr/>
+          <a:lstStyle/>
+          <a:p>
+            <a:endParaRPr lang="en-US"/>
+          </a:p>
+        </p:txBody>
+      </p:sp>
+      <p:sp>
+        <p:nvSpPr>
+          <p:cNvPr id="3" name="Content Placeholder 2">
+            <a:extLst>
+              <a:ext uri="{FF2B5EF4-FFF2-40B4-BE49-F238E27FC236}">
+                <a16:creationId xmlns:a16="http://schemas.microsoft.com/office/drawing/2014/main" id="{7CDD7A81-8E2D-14A9-29F7-15982B719B66}"/>
+              </a:ext>
+            </a:extLst>
+          </p:cNvPr>
+          <p:cNvSpPr>
+            <a:spLocks noGrp="1"/>
+          </p:cNvSpPr>
+          <p:nvPr>
+            <p:ph idx="1"/>
+          </p:nvPr>
+        </p:nvSpPr>
+        <p:spPr/>
+        <p:txBody>
+          <a:bodyPr/>
+          <a:lstStyle/>
+          <a:p>
+            <a:pPr marL="0" indent="0">
+              <a:buNone/>
+            </a:pPr>
+            <a:r>
+              <a:rPr lang="en-US" dirty="0"/>
+              <a:t>- Hook, </a:t>
+            </a:r>
+            <a:r>
+              <a:rPr lang="en-US" dirty="0" err="1"/>
+              <a:t>bu</a:t>
+            </a:r>
+            <a:r>
+              <a:rPr lang="en-US" dirty="0"/>
+              <a:t> </a:t>
+            </a:r>
+            <a:r>
+              <a:rPr lang="en-US" dirty="0" err="1"/>
+              <a:t>funktsional</a:t>
+            </a:r>
+            <a:r>
+              <a:rPr lang="en-US" dirty="0"/>
+              <a:t> </a:t>
+            </a:r>
+            <a:r>
+              <a:rPr lang="en-US" dirty="0" err="1"/>
+              <a:t>komponentlarda</a:t>
+            </a:r>
+            <a:r>
+              <a:rPr lang="en-US" dirty="0"/>
+              <a:t> </a:t>
+            </a:r>
+            <a:r>
+              <a:rPr lang="en-US" dirty="0" err="1"/>
+              <a:t>holat</a:t>
+            </a:r>
+            <a:r>
+              <a:rPr lang="en-US" dirty="0"/>
+              <a:t> </a:t>
+            </a:r>
+            <a:r>
+              <a:rPr lang="en-US" dirty="0" err="1"/>
+              <a:t>va</a:t>
+            </a:r>
+            <a:r>
+              <a:rPr lang="en-US" dirty="0"/>
+              <a:t> </a:t>
+            </a:r>
+            <a:r>
+              <a:rPr lang="en-US" dirty="0" err="1"/>
+              <a:t>boshqa</a:t>
+            </a:r>
+            <a:r>
+              <a:rPr lang="en-US" dirty="0"/>
+              <a:t> React </a:t>
+            </a:r>
+            <a:r>
+              <a:rPr lang="en-US" dirty="0" err="1"/>
+              <a:t>xususiyatlaridan</a:t>
+            </a:r>
+            <a:r>
+              <a:rPr lang="en-US" dirty="0"/>
+              <a:t> </a:t>
+            </a:r>
+            <a:r>
+              <a:rPr lang="en-US" dirty="0" err="1"/>
+              <a:t>foydalanishga</a:t>
+            </a:r>
+            <a:r>
+              <a:rPr lang="en-US" dirty="0"/>
+              <a:t> </a:t>
+            </a:r>
+            <a:r>
+              <a:rPr lang="en-US" dirty="0" err="1"/>
+              <a:t>imkon</a:t>
+            </a:r>
+            <a:r>
+              <a:rPr lang="en-US" dirty="0"/>
+              <a:t> </a:t>
+            </a:r>
+            <a:r>
+              <a:rPr lang="en-US" dirty="0" err="1"/>
+              <a:t>beruvchi</a:t>
+            </a:r>
+            <a:r>
+              <a:rPr lang="en-US" dirty="0"/>
+              <a:t> </a:t>
+            </a:r>
+            <a:r>
+              <a:rPr lang="en-US" dirty="0" err="1"/>
+              <a:t>funksiyalar</a:t>
+            </a:r>
+            <a:r>
+              <a:rPr lang="en-US" dirty="0"/>
+              <a:t>.</a:t>
+            </a:r>
+          </a:p>
+        </p:txBody>
+      </p:sp>
+      <p:sp>
+        <p:nvSpPr>
+          <p:cNvPr id="4" name="Footer Placeholder 3">
+            <a:extLst>
+              <a:ext uri="{FF2B5EF4-FFF2-40B4-BE49-F238E27FC236}">
+                <a16:creationId xmlns:a16="http://schemas.microsoft.com/office/drawing/2014/main" id="{2CDFF330-3451-0B81-0597-4947910B21F0}"/>
+              </a:ext>
+            </a:extLst>
+          </p:cNvPr>
+          <p:cNvSpPr>
+            <a:spLocks noGrp="1"/>
+          </p:cNvSpPr>
+          <p:nvPr>
+            <p:ph type="ftr" sz="quarter" idx="11"/>
+          </p:nvPr>
+        </p:nvSpPr>
+        <p:spPr/>
+        <p:txBody>
+          <a:bodyPr/>
+          <a:lstStyle/>
+          <a:p>
+            <a:r>
+              <a:rPr lang="en-US"/>
+              <a:t>Lecturer: I.Husainov, Biznes Boshqaruvi kafedrasi.</a:t>
+            </a:r>
+          </a:p>
+        </p:txBody>
+      </p:sp>
+    </p:spTree>
+    <p:extLst>
+      <p:ext uri="{BB962C8B-B14F-4D97-AF65-F5344CB8AC3E}">
+        <p14:creationId xmlns:p14="http://schemas.microsoft.com/office/powerpoint/2010/main" val="4178102052"/>
+      </p:ext>
+    </p:extLst>
+  </p:cSld>
+  <p:clrMapOvr>
+    <a:masterClrMapping/>
+  </p:clrMapOvr>
+</p:sld>
+</file>
+
+<file path=ppt/slides/slide14.xml><?xml version="1.0" encoding="utf-8"?>
+<p:sld xmlns:a="http://schemas.openxmlformats.org/drawingml/2006/main" xmlns:r="http://schemas.openxmlformats.org/officeDocument/2006/relationships" xmlns:p="http://schemas.openxmlformats.org/presentationml/2006/main">
+  <p:cSld>
+    <p:spTree>
+      <p:nvGrpSpPr>
+        <p:cNvPr id="1" name="">
+          <a:extLst>
+            <a:ext uri="{FF2B5EF4-FFF2-40B4-BE49-F238E27FC236}">
+              <a16:creationId xmlns:a16="http://schemas.microsoft.com/office/drawing/2014/main" id="{0C0778DE-9A59-61FA-F32F-56C94FF2E22C}"/>
+            </a:ext>
+          </a:extLst>
+        </p:cNvPr>
+        <p:cNvGrpSpPr/>
+        <p:nvPr/>
+      </p:nvGrpSpPr>
+      <p:grpSpPr>
+        <a:xfrm>
+          <a:off x="0" y="0"/>
+          <a:ext cx="0" cy="0"/>
+          <a:chOff x="0" y="0"/>
+          <a:chExt cx="0" cy="0"/>
+        </a:xfrm>
+      </p:grpSpPr>
+      <p:sp>
+        <p:nvSpPr>
+          <p:cNvPr id="2" name="Title 1">
+            <a:extLst>
+              <a:ext uri="{FF2B5EF4-FFF2-40B4-BE49-F238E27FC236}">
+                <a16:creationId xmlns:a16="http://schemas.microsoft.com/office/drawing/2014/main" id="{B992068B-FF56-DCB2-640E-C99F5E02C07B}"/>
+              </a:ext>
+            </a:extLst>
+          </p:cNvPr>
+          <p:cNvSpPr>
+            <a:spLocks noGrp="1"/>
+          </p:cNvSpPr>
+          <p:nvPr>
+            <p:ph type="title"/>
+          </p:nvPr>
+        </p:nvSpPr>
+        <p:spPr/>
+        <p:txBody>
+          <a:bodyPr/>
+          <a:lstStyle/>
+          <a:p>
+            <a:endParaRPr lang="en-US"/>
+          </a:p>
+        </p:txBody>
+      </p:sp>
+      <p:sp>
+        <p:nvSpPr>
+          <p:cNvPr id="3" name="Content Placeholder 2">
+            <a:extLst>
+              <a:ext uri="{FF2B5EF4-FFF2-40B4-BE49-F238E27FC236}">
+                <a16:creationId xmlns:a16="http://schemas.microsoft.com/office/drawing/2014/main" id="{2392C63B-A9F4-31FC-C267-CB93603A49A4}"/>
+              </a:ext>
+            </a:extLst>
+          </p:cNvPr>
+          <p:cNvSpPr>
+            <a:spLocks noGrp="1"/>
+          </p:cNvSpPr>
+          <p:nvPr>
+            <p:ph idx="1"/>
+          </p:nvPr>
+        </p:nvSpPr>
+        <p:spPr/>
+        <p:txBody>
+          <a:bodyPr/>
+          <a:lstStyle/>
+          <a:p>
+            <a:pPr marL="0" indent="0">
+              <a:buNone/>
+            </a:pPr>
+            <a:endParaRPr lang="en-US" dirty="0"/>
+          </a:p>
+          <a:p>
+            <a:pPr marL="0" indent="0">
+              <a:buNone/>
+            </a:pPr>
+            <a:endParaRPr lang="en-US" dirty="0"/>
+          </a:p>
+          <a:p>
+            <a:pPr marL="0" indent="0">
+              <a:buNone/>
+            </a:pPr>
+            <a:r>
+              <a:rPr lang="en-US" sz="4000" dirty="0"/>
+              <a:t>&lt;</a:t>
+            </a:r>
+            <a:r>
+              <a:rPr lang="en-US" sz="4000" dirty="0" err="1"/>
+              <a:t>TextInput</a:t>
+            </a:r>
+            <a:r>
+              <a:rPr lang="en-US" sz="4000" dirty="0"/>
+              <a:t> /&gt;</a:t>
+            </a:r>
+          </a:p>
+        </p:txBody>
+      </p:sp>
+      <p:sp>
+        <p:nvSpPr>
+          <p:cNvPr id="4" name="Footer Placeholder 3">
+            <a:extLst>
+              <a:ext uri="{FF2B5EF4-FFF2-40B4-BE49-F238E27FC236}">
+                <a16:creationId xmlns:a16="http://schemas.microsoft.com/office/drawing/2014/main" id="{9111B8E7-BAE3-0FF8-0938-A7A90F7D9E6B}"/>
+              </a:ext>
+            </a:extLst>
+          </p:cNvPr>
+          <p:cNvSpPr>
+            <a:spLocks noGrp="1"/>
+          </p:cNvSpPr>
+          <p:nvPr>
+            <p:ph type="ftr" sz="quarter" idx="11"/>
+          </p:nvPr>
+        </p:nvSpPr>
+        <p:spPr/>
+        <p:txBody>
+          <a:bodyPr/>
+          <a:lstStyle/>
+          <a:p>
+            <a:r>
+              <a:rPr lang="en-US"/>
+              <a:t>Lecturer: I.Husainov, Biznes Boshqaruvi kafedrasi.</a:t>
+            </a:r>
+          </a:p>
+        </p:txBody>
+      </p:sp>
+    </p:spTree>
+    <p:extLst>
+      <p:ext uri="{BB962C8B-B14F-4D97-AF65-F5344CB8AC3E}">
+        <p14:creationId xmlns:p14="http://schemas.microsoft.com/office/powerpoint/2010/main" val="1058546731"/>
+      </p:ext>
+    </p:extLst>
+  </p:cSld>
+  <p:clrMapOvr>
+    <a:masterClrMapping/>
+  </p:clrMapOvr>
+</p:sld>
+</file>
+
 <file path=ppt/slides/slide2.xml><?xml version="1.0" encoding="utf-8"?>
 <p:sld xmlns:a="http://schemas.openxmlformats.org/drawingml/2006/main" xmlns:r="http://schemas.openxmlformats.org/officeDocument/2006/relationships" xmlns:p="http://schemas.openxmlformats.org/presentationml/2006/main">
   <p:cSld>
@@ -5030,6 +5876,601 @@
     <p:extLst>
       <p:ext uri="{BB962C8B-B14F-4D97-AF65-F5344CB8AC3E}">
         <p14:creationId xmlns:p14="http://schemas.microsoft.com/office/powerpoint/2010/main" val="3946334842"/>
+      </p:ext>
+    </p:extLst>
+  </p:cSld>
+  <p:clrMapOvr>
+    <a:masterClrMapping/>
+  </p:clrMapOvr>
+</p:sld>
+</file>
+
+<file path=ppt/slides/slide6.xml><?xml version="1.0" encoding="utf-8"?>
+<p:sld xmlns:a="http://schemas.openxmlformats.org/drawingml/2006/main" xmlns:r="http://schemas.openxmlformats.org/officeDocument/2006/relationships" xmlns:p="http://schemas.openxmlformats.org/presentationml/2006/main">
+  <p:cSld>
+    <p:spTree>
+      <p:nvGrpSpPr>
+        <p:cNvPr id="1" name="">
+          <a:extLst>
+            <a:ext uri="{FF2B5EF4-FFF2-40B4-BE49-F238E27FC236}">
+              <a16:creationId xmlns:a16="http://schemas.microsoft.com/office/drawing/2014/main" id="{C8851D29-9D04-65B9-CEAC-6AA424C8DA96}"/>
+            </a:ext>
+          </a:extLst>
+        </p:cNvPr>
+        <p:cNvGrpSpPr/>
+        <p:nvPr/>
+      </p:nvGrpSpPr>
+      <p:grpSpPr>
+        <a:xfrm>
+          <a:off x="0" y="0"/>
+          <a:ext cx="0" cy="0"/>
+          <a:chOff x="0" y="0"/>
+          <a:chExt cx="0" cy="0"/>
+        </a:xfrm>
+      </p:grpSpPr>
+      <p:sp>
+        <p:nvSpPr>
+          <p:cNvPr id="2" name="Title 1">
+            <a:extLst>
+              <a:ext uri="{FF2B5EF4-FFF2-40B4-BE49-F238E27FC236}">
+                <a16:creationId xmlns:a16="http://schemas.microsoft.com/office/drawing/2014/main" id="{0EC58D7A-0B49-0E56-C28C-AF84FA518D1F}"/>
+              </a:ext>
+            </a:extLst>
+          </p:cNvPr>
+          <p:cNvSpPr>
+            <a:spLocks noGrp="1"/>
+          </p:cNvSpPr>
+          <p:nvPr>
+            <p:ph type="title"/>
+          </p:nvPr>
+        </p:nvSpPr>
+        <p:spPr/>
+        <p:txBody>
+          <a:bodyPr/>
+          <a:lstStyle/>
+          <a:p>
+            <a:endParaRPr lang="en-US" dirty="0"/>
+          </a:p>
+        </p:txBody>
+      </p:sp>
+      <p:sp>
+        <p:nvSpPr>
+          <p:cNvPr id="4" name="Footer Placeholder 3">
+            <a:extLst>
+              <a:ext uri="{FF2B5EF4-FFF2-40B4-BE49-F238E27FC236}">
+                <a16:creationId xmlns:a16="http://schemas.microsoft.com/office/drawing/2014/main" id="{B5F2EE91-F88A-CE01-3AD8-5DF5E2FB31E1}"/>
+              </a:ext>
+            </a:extLst>
+          </p:cNvPr>
+          <p:cNvSpPr>
+            <a:spLocks noGrp="1"/>
+          </p:cNvSpPr>
+          <p:nvPr>
+            <p:ph type="ftr" sz="quarter" idx="11"/>
+          </p:nvPr>
+        </p:nvSpPr>
+        <p:spPr/>
+        <p:txBody>
+          <a:bodyPr/>
+          <a:lstStyle/>
+          <a:p>
+            <a:r>
+              <a:rPr lang="en-US"/>
+              <a:t>Lecturer: I.Husainov, Biznes Boshqaruvi kafedrasi.</a:t>
+            </a:r>
+          </a:p>
+        </p:txBody>
+      </p:sp>
+      <p:sp>
+        <p:nvSpPr>
+          <p:cNvPr id="5" name="Content Placeholder 4">
+            <a:extLst>
+              <a:ext uri="{FF2B5EF4-FFF2-40B4-BE49-F238E27FC236}">
+                <a16:creationId xmlns:a16="http://schemas.microsoft.com/office/drawing/2014/main" id="{675E4ECB-BD6B-1D5E-8150-C870EB914B27}"/>
+              </a:ext>
+            </a:extLst>
+          </p:cNvPr>
+          <p:cNvSpPr>
+            <a:spLocks noGrp="1"/>
+          </p:cNvSpPr>
+          <p:nvPr>
+            <p:ph idx="1"/>
+          </p:nvPr>
+        </p:nvSpPr>
+        <p:spPr>
+          <a:xfrm>
+            <a:off x="818536" y="1825625"/>
+            <a:ext cx="10515600" cy="4351338"/>
+          </a:xfrm>
+        </p:spPr>
+        <p:txBody>
+          <a:bodyPr/>
+          <a:lstStyle/>
+          <a:p>
+            <a:pPr marL="0" indent="0">
+              <a:buNone/>
+            </a:pPr>
+            <a:endParaRPr lang="en-US" dirty="0"/>
+          </a:p>
+          <a:p>
+            <a:pPr marL="0" indent="0">
+              <a:buNone/>
+            </a:pPr>
+            <a:r>
+              <a:rPr lang="en-US" dirty="0"/>
+              <a:t>&lt;Text&gt;&lt;/Text&gt;</a:t>
+            </a:r>
+          </a:p>
+          <a:p>
+            <a:pPr marL="0" indent="0">
+              <a:buNone/>
+            </a:pPr>
+            <a:endParaRPr lang="en-US" dirty="0"/>
+          </a:p>
+          <a:p>
+            <a:pPr marL="0" indent="0">
+              <a:buNone/>
+            </a:pPr>
+            <a:r>
+              <a:rPr lang="en-US" dirty="0"/>
+              <a:t>&lt;Text style={</a:t>
+            </a:r>
+            <a:r>
+              <a:rPr lang="en-US" dirty="0" err="1"/>
+              <a:t>styles.title</a:t>
+            </a:r>
+            <a:r>
+              <a:rPr lang="en-US" dirty="0"/>
+              <a:t>}&gt;&lt;/Text&gt;</a:t>
+            </a:r>
+          </a:p>
+        </p:txBody>
+      </p:sp>
+    </p:spTree>
+    <p:extLst>
+      <p:ext uri="{BB962C8B-B14F-4D97-AF65-F5344CB8AC3E}">
+        <p14:creationId xmlns:p14="http://schemas.microsoft.com/office/powerpoint/2010/main" val="3857032270"/>
+      </p:ext>
+    </p:extLst>
+  </p:cSld>
+  <p:clrMapOvr>
+    <a:masterClrMapping/>
+  </p:clrMapOvr>
+</p:sld>
+</file>
+
+<file path=ppt/slides/slide7.xml><?xml version="1.0" encoding="utf-8"?>
+<p:sld xmlns:a="http://schemas.openxmlformats.org/drawingml/2006/main" xmlns:r="http://schemas.openxmlformats.org/officeDocument/2006/relationships" xmlns:p="http://schemas.openxmlformats.org/presentationml/2006/main">
+  <p:cSld>
+    <p:spTree>
+      <p:nvGrpSpPr>
+        <p:cNvPr id="1" name="">
+          <a:extLst>
+            <a:ext uri="{FF2B5EF4-FFF2-40B4-BE49-F238E27FC236}">
+              <a16:creationId xmlns:a16="http://schemas.microsoft.com/office/drawing/2014/main" id="{1A8EB87D-14BD-FBEB-DEF0-63F986AE7225}"/>
+            </a:ext>
+          </a:extLst>
+        </p:cNvPr>
+        <p:cNvGrpSpPr/>
+        <p:nvPr/>
+      </p:nvGrpSpPr>
+      <p:grpSpPr>
+        <a:xfrm>
+          <a:off x="0" y="0"/>
+          <a:ext cx="0" cy="0"/>
+          <a:chOff x="0" y="0"/>
+          <a:chExt cx="0" cy="0"/>
+        </a:xfrm>
+      </p:grpSpPr>
+      <p:sp>
+        <p:nvSpPr>
+          <p:cNvPr id="2" name="Title 1">
+            <a:extLst>
+              <a:ext uri="{FF2B5EF4-FFF2-40B4-BE49-F238E27FC236}">
+                <a16:creationId xmlns:a16="http://schemas.microsoft.com/office/drawing/2014/main" id="{37189886-B55A-8B80-BB86-A7A1F6FB7D27}"/>
+              </a:ext>
+            </a:extLst>
+          </p:cNvPr>
+          <p:cNvSpPr>
+            <a:spLocks noGrp="1"/>
+          </p:cNvSpPr>
+          <p:nvPr>
+            <p:ph type="title"/>
+          </p:nvPr>
+        </p:nvSpPr>
+        <p:spPr/>
+        <p:txBody>
+          <a:bodyPr/>
+          <a:lstStyle/>
+          <a:p>
+            <a:endParaRPr lang="en-US" dirty="0"/>
+          </a:p>
+        </p:txBody>
+      </p:sp>
+      <p:sp>
+        <p:nvSpPr>
+          <p:cNvPr id="4" name="Footer Placeholder 3">
+            <a:extLst>
+              <a:ext uri="{FF2B5EF4-FFF2-40B4-BE49-F238E27FC236}">
+                <a16:creationId xmlns:a16="http://schemas.microsoft.com/office/drawing/2014/main" id="{3520EB11-7801-66F8-06CC-357E8550B101}"/>
+              </a:ext>
+            </a:extLst>
+          </p:cNvPr>
+          <p:cNvSpPr>
+            <a:spLocks noGrp="1"/>
+          </p:cNvSpPr>
+          <p:nvPr>
+            <p:ph type="ftr" sz="quarter" idx="11"/>
+          </p:nvPr>
+        </p:nvSpPr>
+        <p:spPr/>
+        <p:txBody>
+          <a:bodyPr/>
+          <a:lstStyle/>
+          <a:p>
+            <a:r>
+              <a:rPr lang="en-US"/>
+              <a:t>Lecturer: I.Husainov, Biznes Boshqaruvi kafedrasi.</a:t>
+            </a:r>
+          </a:p>
+        </p:txBody>
+      </p:sp>
+      <p:sp>
+        <p:nvSpPr>
+          <p:cNvPr id="5" name="Content Placeholder 4">
+            <a:extLst>
+              <a:ext uri="{FF2B5EF4-FFF2-40B4-BE49-F238E27FC236}">
+                <a16:creationId xmlns:a16="http://schemas.microsoft.com/office/drawing/2014/main" id="{56CC3F5E-BD8A-6055-13AC-7939A0124949}"/>
+              </a:ext>
+            </a:extLst>
+          </p:cNvPr>
+          <p:cNvSpPr>
+            <a:spLocks noGrp="1"/>
+          </p:cNvSpPr>
+          <p:nvPr>
+            <p:ph idx="1"/>
+          </p:nvPr>
+        </p:nvSpPr>
+        <p:spPr>
+          <a:xfrm>
+            <a:off x="818536" y="1825625"/>
+            <a:ext cx="10515600" cy="4351338"/>
+          </a:xfrm>
+        </p:spPr>
+        <p:txBody>
+          <a:bodyPr/>
+          <a:lstStyle/>
+          <a:p>
+            <a:pPr marL="0" indent="0">
+              <a:buNone/>
+            </a:pPr>
+            <a:r>
+              <a:rPr lang="en-US" dirty="0"/>
+              <a:t>import React from 'react’;</a:t>
+            </a:r>
+          </a:p>
+          <a:p>
+            <a:pPr marL="0" indent="0">
+              <a:buNone/>
+            </a:pPr>
+            <a:br>
+              <a:rPr lang="en-US" dirty="0"/>
+            </a:br>
+            <a:r>
+              <a:rPr lang="en-US" dirty="0"/>
+              <a:t>import {Text} from 'react-native';</a:t>
+            </a:r>
+          </a:p>
+          <a:p>
+            <a:pPr marL="0" indent="0">
+              <a:buNone/>
+            </a:pPr>
+            <a:endParaRPr lang="en-US" dirty="0"/>
+          </a:p>
+        </p:txBody>
+      </p:sp>
+    </p:spTree>
+    <p:extLst>
+      <p:ext uri="{BB962C8B-B14F-4D97-AF65-F5344CB8AC3E}">
+        <p14:creationId xmlns:p14="http://schemas.microsoft.com/office/powerpoint/2010/main" val="3174992690"/>
+      </p:ext>
+    </p:extLst>
+  </p:cSld>
+  <p:clrMapOvr>
+    <a:masterClrMapping/>
+  </p:clrMapOvr>
+</p:sld>
+</file>
+
+<file path=ppt/slides/slide8.xml><?xml version="1.0" encoding="utf-8"?>
+<p:sld xmlns:a="http://schemas.openxmlformats.org/drawingml/2006/main" xmlns:r="http://schemas.openxmlformats.org/officeDocument/2006/relationships" xmlns:p="http://schemas.openxmlformats.org/presentationml/2006/main">
+  <p:cSld>
+    <p:spTree>
+      <p:nvGrpSpPr>
+        <p:cNvPr id="1" name="">
+          <a:extLst>
+            <a:ext uri="{FF2B5EF4-FFF2-40B4-BE49-F238E27FC236}">
+              <a16:creationId xmlns:a16="http://schemas.microsoft.com/office/drawing/2014/main" id="{4B526026-0125-532B-3F40-78924D818513}"/>
+            </a:ext>
+          </a:extLst>
+        </p:cNvPr>
+        <p:cNvGrpSpPr/>
+        <p:nvPr/>
+      </p:nvGrpSpPr>
+      <p:grpSpPr>
+        <a:xfrm>
+          <a:off x="0" y="0"/>
+          <a:ext cx="0" cy="0"/>
+          <a:chOff x="0" y="0"/>
+          <a:chExt cx="0" cy="0"/>
+        </a:xfrm>
+      </p:grpSpPr>
+      <p:sp>
+        <p:nvSpPr>
+          <p:cNvPr id="2" name="Title 1">
+            <a:extLst>
+              <a:ext uri="{FF2B5EF4-FFF2-40B4-BE49-F238E27FC236}">
+                <a16:creationId xmlns:a16="http://schemas.microsoft.com/office/drawing/2014/main" id="{A51C8375-383F-AB67-1747-F496667382B4}"/>
+              </a:ext>
+            </a:extLst>
+          </p:cNvPr>
+          <p:cNvSpPr>
+            <a:spLocks noGrp="1"/>
+          </p:cNvSpPr>
+          <p:nvPr>
+            <p:ph type="title"/>
+          </p:nvPr>
+        </p:nvSpPr>
+        <p:spPr/>
+        <p:txBody>
+          <a:bodyPr/>
+          <a:lstStyle/>
+          <a:p>
+            <a:endParaRPr lang="en-US" dirty="0"/>
+          </a:p>
+        </p:txBody>
+      </p:sp>
+      <p:sp>
+        <p:nvSpPr>
+          <p:cNvPr id="4" name="Footer Placeholder 3">
+            <a:extLst>
+              <a:ext uri="{FF2B5EF4-FFF2-40B4-BE49-F238E27FC236}">
+                <a16:creationId xmlns:a16="http://schemas.microsoft.com/office/drawing/2014/main" id="{B5BE3988-EBD7-ADB1-8CA3-E0C4946569E6}"/>
+              </a:ext>
+            </a:extLst>
+          </p:cNvPr>
+          <p:cNvSpPr>
+            <a:spLocks noGrp="1"/>
+          </p:cNvSpPr>
+          <p:nvPr>
+            <p:ph type="ftr" sz="quarter" idx="11"/>
+          </p:nvPr>
+        </p:nvSpPr>
+        <p:spPr/>
+        <p:txBody>
+          <a:bodyPr/>
+          <a:lstStyle/>
+          <a:p>
+            <a:r>
+              <a:rPr lang="en-US"/>
+              <a:t>Lecturer: I.Husainov, Biznes Boshqaruvi kafedrasi.</a:t>
+            </a:r>
+          </a:p>
+        </p:txBody>
+      </p:sp>
+      <p:sp>
+        <p:nvSpPr>
+          <p:cNvPr id="5" name="Content Placeholder 4">
+            <a:extLst>
+              <a:ext uri="{FF2B5EF4-FFF2-40B4-BE49-F238E27FC236}">
+                <a16:creationId xmlns:a16="http://schemas.microsoft.com/office/drawing/2014/main" id="{2B7E4C28-312C-D1A5-1C3B-E4DACDB2916D}"/>
+              </a:ext>
+            </a:extLst>
+          </p:cNvPr>
+          <p:cNvSpPr>
+            <a:spLocks noGrp="1"/>
+          </p:cNvSpPr>
+          <p:nvPr>
+            <p:ph idx="1"/>
+          </p:nvPr>
+        </p:nvSpPr>
+        <p:spPr>
+          <a:xfrm>
+            <a:off x="818536" y="1825625"/>
+            <a:ext cx="10515600" cy="4351338"/>
+          </a:xfrm>
+        </p:spPr>
+        <p:txBody>
+          <a:bodyPr/>
+          <a:lstStyle/>
+          <a:p>
+            <a:pPr marL="0" indent="0">
+              <a:buNone/>
+            </a:pPr>
+            <a:r>
+              <a:rPr lang="en-US" dirty="0"/>
+              <a:t>const App = () =&gt; {</a:t>
+            </a:r>
+          </a:p>
+          <a:p>
+            <a:pPr marL="0" indent="0">
+              <a:buNone/>
+            </a:pPr>
+            <a:r>
+              <a:rPr lang="en-US" dirty="0"/>
+              <a:t>  const name = ‘Turan';</a:t>
+            </a:r>
+          </a:p>
+          <a:p>
+            <a:pPr marL="0" indent="0">
+              <a:buNone/>
+            </a:pPr>
+            <a:r>
+              <a:rPr lang="en-US" dirty="0"/>
+              <a:t>  return &lt;Text&gt;Hello, I am {name}!&lt;/Text&gt;;</a:t>
+            </a:r>
+          </a:p>
+          <a:p>
+            <a:pPr marL="0" indent="0">
+              <a:buNone/>
+            </a:pPr>
+            <a:r>
+              <a:rPr lang="en-US" dirty="0"/>
+              <a:t>};</a:t>
+            </a:r>
+          </a:p>
+          <a:p>
+            <a:pPr marL="0" indent="0">
+              <a:buNone/>
+            </a:pPr>
+            <a:endParaRPr lang="en-US" dirty="0"/>
+          </a:p>
+          <a:p>
+            <a:pPr marL="0" indent="0">
+              <a:buNone/>
+            </a:pPr>
+            <a:r>
+              <a:rPr lang="en-US" dirty="0"/>
+              <a:t>export default App;</a:t>
+            </a:r>
+          </a:p>
+        </p:txBody>
+      </p:sp>
+    </p:spTree>
+    <p:extLst>
+      <p:ext uri="{BB962C8B-B14F-4D97-AF65-F5344CB8AC3E}">
+        <p14:creationId xmlns:p14="http://schemas.microsoft.com/office/powerpoint/2010/main" val="4081164255"/>
+      </p:ext>
+    </p:extLst>
+  </p:cSld>
+  <p:clrMapOvr>
+    <a:masterClrMapping/>
+  </p:clrMapOvr>
+</p:sld>
+</file>
+
+<file path=ppt/slides/slide9.xml><?xml version="1.0" encoding="utf-8"?>
+<p:sld xmlns:a="http://schemas.openxmlformats.org/drawingml/2006/main" xmlns:r="http://schemas.openxmlformats.org/officeDocument/2006/relationships" xmlns:p="http://schemas.openxmlformats.org/presentationml/2006/main">
+  <p:cSld>
+    <p:spTree>
+      <p:nvGrpSpPr>
+        <p:cNvPr id="1" name="">
+          <a:extLst>
+            <a:ext uri="{FF2B5EF4-FFF2-40B4-BE49-F238E27FC236}">
+              <a16:creationId xmlns:a16="http://schemas.microsoft.com/office/drawing/2014/main" id="{A67CCB4F-077F-A972-D456-B973A135EED9}"/>
+            </a:ext>
+          </a:extLst>
+        </p:cNvPr>
+        <p:cNvGrpSpPr/>
+        <p:nvPr/>
+      </p:nvGrpSpPr>
+      <p:grpSpPr>
+        <a:xfrm>
+          <a:off x="0" y="0"/>
+          <a:ext cx="0" cy="0"/>
+          <a:chOff x="0" y="0"/>
+          <a:chExt cx="0" cy="0"/>
+        </a:xfrm>
+      </p:grpSpPr>
+      <p:sp>
+        <p:nvSpPr>
+          <p:cNvPr id="2" name="Title 1">
+            <a:extLst>
+              <a:ext uri="{FF2B5EF4-FFF2-40B4-BE49-F238E27FC236}">
+                <a16:creationId xmlns:a16="http://schemas.microsoft.com/office/drawing/2014/main" id="{3CBED2B6-2BA4-C49C-7BA3-C21AB4B85F9C}"/>
+              </a:ext>
+            </a:extLst>
+          </p:cNvPr>
+          <p:cNvSpPr>
+            <a:spLocks noGrp="1"/>
+          </p:cNvSpPr>
+          <p:nvPr>
+            <p:ph type="title"/>
+          </p:nvPr>
+        </p:nvSpPr>
+        <p:spPr/>
+        <p:txBody>
+          <a:bodyPr/>
+          <a:lstStyle/>
+          <a:p>
+            <a:endParaRPr lang="en-US" dirty="0"/>
+          </a:p>
+        </p:txBody>
+      </p:sp>
+      <p:sp>
+        <p:nvSpPr>
+          <p:cNvPr id="4" name="Footer Placeholder 3">
+            <a:extLst>
+              <a:ext uri="{FF2B5EF4-FFF2-40B4-BE49-F238E27FC236}">
+                <a16:creationId xmlns:a16="http://schemas.microsoft.com/office/drawing/2014/main" id="{149E5C60-EA10-FAC8-1FB2-C753080A60A8}"/>
+              </a:ext>
+            </a:extLst>
+          </p:cNvPr>
+          <p:cNvSpPr>
+            <a:spLocks noGrp="1"/>
+          </p:cNvSpPr>
+          <p:nvPr>
+            <p:ph type="ftr" sz="quarter" idx="11"/>
+          </p:nvPr>
+        </p:nvSpPr>
+        <p:spPr/>
+        <p:txBody>
+          <a:bodyPr/>
+          <a:lstStyle/>
+          <a:p>
+            <a:r>
+              <a:rPr lang="en-US"/>
+              <a:t>Lecturer: I.Husainov, Biznes Boshqaruvi kafedrasi.</a:t>
+            </a:r>
+          </a:p>
+        </p:txBody>
+      </p:sp>
+      <p:sp>
+        <p:nvSpPr>
+          <p:cNvPr id="5" name="Content Placeholder 4">
+            <a:extLst>
+              <a:ext uri="{FF2B5EF4-FFF2-40B4-BE49-F238E27FC236}">
+                <a16:creationId xmlns:a16="http://schemas.microsoft.com/office/drawing/2014/main" id="{B6900686-7BF7-E552-FB1C-421C4DA47DCD}"/>
+              </a:ext>
+            </a:extLst>
+          </p:cNvPr>
+          <p:cNvSpPr>
+            <a:spLocks noGrp="1"/>
+          </p:cNvSpPr>
+          <p:nvPr>
+            <p:ph idx="1"/>
+          </p:nvPr>
+        </p:nvSpPr>
+        <p:spPr>
+          <a:xfrm>
+            <a:off x="818536" y="1825625"/>
+            <a:ext cx="10515600" cy="4351338"/>
+          </a:xfrm>
+        </p:spPr>
+        <p:txBody>
+          <a:bodyPr/>
+          <a:lstStyle/>
+          <a:p>
+            <a:pPr marL="0" indent="0">
+              <a:buNone/>
+            </a:pPr>
+            <a:endParaRPr lang="en-US" dirty="0"/>
+          </a:p>
+          <a:p>
+            <a:pPr marL="0" indent="0">
+              <a:buNone/>
+            </a:pPr>
+            <a:r>
+              <a:rPr lang="en-US" dirty="0"/>
+              <a:t>&lt;View&gt; &lt;/View&gt;</a:t>
+            </a:r>
+          </a:p>
+        </p:txBody>
+      </p:sp>
+    </p:spTree>
+    <p:extLst>
+      <p:ext uri="{BB962C8B-B14F-4D97-AF65-F5344CB8AC3E}">
+        <p14:creationId xmlns:p14="http://schemas.microsoft.com/office/powerpoint/2010/main" val="2965733491"/>
       </p:ext>
     </p:extLst>
   </p:cSld>
